--- a/原创-法律合规及实施/等级保护/网络安全等级保护基础知识讲解1.0.pptx
+++ b/原创-法律合规及实施/等级保护/网络安全等级保护基础知识讲解1.0.pptx
@@ -42,11 +42,13 @@
     <p:sldId id="409" r:id="rId35"/>
     <p:sldId id="371" r:id="rId36"/>
     <p:sldId id="410" r:id="rId37"/>
-    <p:sldId id="334" r:id="rId38"/>
-    <p:sldId id="395" r:id="rId39"/>
+    <p:sldId id="395" r:id="rId38"/>
   </p:sldIdLst>
   <p:sldSz cx="12193270" cy="6858000"/>
   <p:notesSz cx="6858000" cy="9144000"/>
+  <p:custDataLst>
+    <p:tags r:id="rId42"/>
+  </p:custDataLst>
   <p:defaultTextStyle>
     <a:defPPr marL="0" marR="0" indent="0" algn="l" defTabSz="548640" rtl="0" fontAlgn="auto" latinLnBrk="1" hangingPunct="0">
       <a:lnSpc>
@@ -335,6 +337,22 @@
       </a:defRPr>
     </a:lvl9pPr>
   </p:defaultTextStyle>
+  <p:extLst>
+    <p:ext uri="{EFAFB233-063F-42B5-8137-9DF3F51BA10A}">
+      <p15:sldGuideLst xmlns:p15="http://schemas.microsoft.com/office/powerpoint/2012/main">
+        <p15:guide id="1" orient="horz" pos="2160" userDrawn="1">
+          <p15:clr>
+            <a:srgbClr val="A4A3A4"/>
+          </p15:clr>
+        </p15:guide>
+        <p15:guide id="2" pos="3839" userDrawn="1">
+          <p15:clr>
+            <a:srgbClr val="A4A3A4"/>
+          </p15:clr>
+        </p15:guide>
+      </p15:sldGuideLst>
+    </p:ext>
+  </p:extLst>
 </p:presentation>
 </file>
 
@@ -5403,18 +5421,22 @@
           <p:cNvPicPr>
             <a:picLocks noChangeAspect="1"/>
           </p:cNvPicPr>
-          <p:nvPr/>
+          <p:nvPr>
+            <p:custDataLst>
+              <p:tags r:id="rId1"/>
+            </p:custDataLst>
+          </p:nvPr>
         </p:nvPicPr>
         <p:blipFill>
-          <a:blip r:embed="rId1"/>
+          <a:blip r:embed="rId2"/>
           <a:stretch>
             <a:fillRect/>
           </a:stretch>
         </p:blipFill>
         <p:spPr>
           <a:xfrm>
-            <a:off x="3651402" y="1978858"/>
-            <a:ext cx="7522109" cy="3812342"/>
+            <a:off x="815975" y="1479550"/>
+            <a:ext cx="10044430" cy="5090795"/>
           </a:xfrm>
           <a:prstGeom prst="rect">
             <a:avLst/>
@@ -19289,137 +19311,6 @@
           <a:lstStyle/>
           <a:p>
             <a:r>
-              <a:rPr kumimoji="1" lang="zh-CN" altLang="en-US" sz="5400" dirty="0"/>
-              <a:t>提高信息安全意识</a:t>
-            </a:r>
-            <a:br>
-              <a:rPr kumimoji="1" lang="zh-CN" altLang="en-US" sz="5400" dirty="0"/>
-            </a:br>
-            <a:r>
-              <a:rPr kumimoji="1" lang="zh-CN" altLang="en-US" sz="5400" dirty="0"/>
-              <a:t>携手共创美好未来</a:t>
-            </a:r>
-            <a:endParaRPr kumimoji="1" lang="zh-CN" altLang="en-US" sz="5400" dirty="0"/>
-          </a:p>
-        </p:txBody>
-      </p:sp>
-      <p:sp>
-        <p:nvSpPr>
-          <p:cNvPr id="3" name="文本框 2"/>
-          <p:cNvSpPr txBox="1"/>
-          <p:nvPr/>
-        </p:nvSpPr>
-        <p:spPr>
-          <a:xfrm>
-            <a:off x="2984500" y="1003300"/>
-            <a:ext cx="1034257" cy="3154710"/>
-          </a:xfrm>
-          <a:prstGeom prst="rect">
-            <a:avLst/>
-          </a:prstGeom>
-          <a:noFill/>
-        </p:spPr>
-        <p:txBody>
-          <a:bodyPr wrap="none" rtlCol="0">
-            <a:spAutoFit/>
-          </a:bodyPr>
-          <a:lstStyle/>
-          <a:p>
-            <a:r>
-              <a:rPr kumimoji="1" lang="zh-CN" altLang="en-US" sz="19900" dirty="0">
-                <a:solidFill>
-                  <a:srgbClr val="00B0F0"/>
-                </a:solidFill>
-              </a:rPr>
-              <a:t>“</a:t>
-            </a:r>
-            <a:endParaRPr kumimoji="1" lang="zh-CN" altLang="en-US" sz="19900" dirty="0">
-              <a:solidFill>
-                <a:srgbClr val="00B0F0"/>
-              </a:solidFill>
-            </a:endParaRPr>
-          </a:p>
-        </p:txBody>
-      </p:sp>
-      <p:sp>
-        <p:nvSpPr>
-          <p:cNvPr id="4" name="文本框 3"/>
-          <p:cNvSpPr txBox="1"/>
-          <p:nvPr/>
-        </p:nvSpPr>
-        <p:spPr>
-          <a:xfrm rot="10800000">
-            <a:off x="8001000" y="2857500"/>
-            <a:ext cx="1034257" cy="3154710"/>
-          </a:xfrm>
-          <a:prstGeom prst="rect">
-            <a:avLst/>
-          </a:prstGeom>
-          <a:noFill/>
-        </p:spPr>
-        <p:txBody>
-          <a:bodyPr wrap="none" rtlCol="0">
-            <a:spAutoFit/>
-          </a:bodyPr>
-          <a:lstStyle/>
-          <a:p>
-            <a:r>
-              <a:rPr kumimoji="1" lang="zh-CN" altLang="en-US" sz="19900">
-                <a:solidFill>
-                  <a:srgbClr val="00B0F0"/>
-                </a:solidFill>
-              </a:rPr>
-              <a:t>“</a:t>
-            </a:r>
-            <a:endParaRPr kumimoji="1" lang="zh-CN" altLang="en-US" sz="19900">
-              <a:solidFill>
-                <a:srgbClr val="00B0F0"/>
-              </a:solidFill>
-            </a:endParaRPr>
-          </a:p>
-        </p:txBody>
-      </p:sp>
-    </p:spTree>
-  </p:cSld>
-  <p:clrMapOvr>
-    <a:masterClrMapping/>
-  </p:clrMapOvr>
-</p:sld>
-</file>
-
-<file path=ppt/slides/slide36.xml><?xml version="1.0" encoding="utf-8"?>
-<p:sld xmlns:a="http://schemas.openxmlformats.org/drawingml/2006/main" xmlns:r="http://schemas.openxmlformats.org/officeDocument/2006/relationships" xmlns:p="http://schemas.openxmlformats.org/presentationml/2006/main">
-  <p:cSld>
-    <p:spTree>
-      <p:nvGrpSpPr>
-        <p:cNvPr id="1" name=""/>
-        <p:cNvGrpSpPr/>
-        <p:nvPr/>
-      </p:nvGrpSpPr>
-      <p:grpSpPr>
-        <a:xfrm>
-          <a:off x="0" y="0"/>
-          <a:ext cx="0" cy="0"/>
-          <a:chOff x="0" y="0"/>
-          <a:chExt cx="0" cy="0"/>
-        </a:xfrm>
-      </p:grpSpPr>
-      <p:sp>
-        <p:nvSpPr>
-          <p:cNvPr id="2" name="标题 1"/>
-          <p:cNvSpPr>
-            <a:spLocks noGrp="1"/>
-          </p:cNvSpPr>
-          <p:nvPr>
-            <p:ph type="title"/>
-          </p:nvPr>
-        </p:nvSpPr>
-        <p:spPr/>
-        <p:txBody>
-          <a:bodyPr/>
-          <a:lstStyle/>
-          <a:p>
-            <a:r>
               <a:rPr lang="en-US" altLang="zh-CN" dirty="0"/>
               <a:t>THANK YOU</a:t>
             </a:r>
@@ -21655,6 +21546,19 @@
     </p:bldLst>
   </p:timing>
 </p:sld>
+</file>
+
+<file path=ppt/tags/tag1.xml><?xml version="1.0" encoding="utf-8"?>
+<p:tagLst xmlns:p="http://schemas.openxmlformats.org/presentationml/2006/main">
+  <p:tag name="KSO_WM_UNIT_PLACING_PICTURE_USER_VIEWPORT" val="{&quot;height&quot;:6003.688188976378,&quot;width&quot;:11845.84094488189}"/>
+</p:tagLst>
+</file>
+
+<file path=ppt/tags/tag2.xml><?xml version="1.0" encoding="utf-8"?>
+<p:tagLst xmlns:p="http://schemas.openxmlformats.org/presentationml/2006/main">
+  <p:tag name="KSO_WPP_MARK_KEY" val="029e0e44-551f-47de-981d-411b754b501c"/>
+  <p:tag name="COMMONDATA" val="eyJoZGlkIjoiMjRhNzA2NDM2M2ZjMTY4N2Q1ZmZhZDBiYTljYzdhMDgifQ=="/>
+</p:tagLst>
 </file>
 
 <file path=ppt/theme/theme1.xml><?xml version="1.0" encoding="utf-8"?>
